--- a/slides/HotI-2011/2011-hoti-cci.pptx
+++ b/slides/HotI-2011/2011-hoti-cci.pptx
@@ -8276,7 +8276,7 @@
       </p:grpSpPr>
       <p:pic>
         <p:nvPicPr>
-          <p:cNvPr id="3" name="Picture 2" descr="pingpong-latency-portals-cci.jpg"/>
+          <p:cNvPr id="2" name="Picture 1" descr="pingpong-latency-portals-cci.pdf"/>
           <p:cNvPicPr>
             <a:picLocks/>
           </p:cNvPicPr>

--- a/slides/HotI-2011/2011-hoti-cci.pptx
+++ b/slides/HotI-2011/2011-hoti-cci.pptx
@@ -4203,40 +4203,40 @@
           <a:lstStyle/>
           <a:p>
             <a:r>
-              <a:rPr lang="en-US"/>
+              <a:rPr lang="en-US" dirty="0"/>
               <a:t>Rigid fault model</a:t>
             </a:r>
           </a:p>
           <a:p>
             <a:pPr lvl="1"/>
             <a:r>
-              <a:rPr lang="en-US"/>
+              <a:rPr lang="en-US" dirty="0"/>
               <a:t>Default mode is all errors trigger abort</a:t>
             </a:r>
           </a:p>
           <a:p>
             <a:pPr lvl="1"/>
             <a:r>
-              <a:rPr lang="en-US"/>
+              <a:rPr lang="en-US" dirty="0"/>
               <a:t>Optionally may have errors return</a:t>
             </a:r>
           </a:p>
           <a:p>
             <a:pPr lvl="2"/>
             <a:r>
-              <a:rPr lang="en-US"/>
+              <a:rPr lang="en-US" dirty="0"/>
               <a:t>Not clear how to handle missing peers</a:t>
             </a:r>
           </a:p>
           <a:p>
             <a:r>
-              <a:rPr lang="en-US"/>
+              <a:rPr lang="en-US" dirty="0"/>
               <a:t>Assumes reliable delivery</a:t>
             </a:r>
           </a:p>
           <a:p>
             <a:r>
-              <a:rPr lang="en-US"/>
+              <a:rPr lang="en-US" dirty="0"/>
               <a:t>Requires ordered matching, but not ordered completion</a:t>
             </a:r>
           </a:p>
@@ -4312,49 +4312,62 @@
           <a:lstStyle/>
           <a:p>
             <a:r>
-              <a:rPr lang="en-US"/>
+              <a:rPr lang="en-US" dirty="0"/>
               <a:t>OFA Verbs</a:t>
             </a:r>
           </a:p>
           <a:p>
             <a:r>
-              <a:rPr lang="en-US"/>
+              <a:rPr lang="en-US" dirty="0"/>
               <a:t>Cray/Sandia’s Portals</a:t>
             </a:r>
           </a:p>
           <a:p>
             <a:r>
-              <a:rPr lang="en-US"/>
-              <a:t>Qlogics’s PSM</a:t>
-            </a:r>
-          </a:p>
-          <a:p>
-            <a:r>
-              <a:rPr lang="en-US"/>
-              <a:t>Myricom’s MX</a:t>
-            </a:r>
-          </a:p>
-          <a:p>
-            <a:r>
-              <a:rPr lang="en-US"/>
-              <a:t>LBL’s GASnet</a:t>
-            </a:r>
-          </a:p>
-          <a:p>
-            <a:r>
-              <a:rPr lang="en-US"/>
+              <a:rPr lang="en-US" dirty="0" err="1"/>
+              <a:t>Qlogics’s</a:t>
+            </a:r>
+            <a:r>
+              <a:rPr lang="en-US" dirty="0"/>
+              <a:t> PSM</a:t>
+            </a:r>
+          </a:p>
+          <a:p>
+            <a:r>
+              <a:rPr lang="en-US" dirty="0" err="1"/>
+              <a:t>Myricom’s</a:t>
+            </a:r>
+            <a:r>
+              <a:rPr lang="en-US" dirty="0"/>
+              <a:t> MX</a:t>
+            </a:r>
+          </a:p>
+          <a:p>
+            <a:r>
+              <a:rPr lang="en-US" dirty="0"/>
+              <a:t>LBL’s </a:t>
+            </a:r>
+            <a:r>
+              <a:rPr lang="en-US" dirty="0" err="1"/>
+              <a:t>GASnet</a:t>
+            </a:r>
+            <a:endParaRPr lang="en-US" dirty="0"/>
+          </a:p>
+          <a:p>
+            <a:r>
+              <a:rPr lang="en-US" dirty="0"/>
               <a:t>DAPL</a:t>
             </a:r>
           </a:p>
           <a:p>
             <a:r>
-              <a:rPr lang="en-US"/>
+              <a:rPr lang="en-US" dirty="0"/>
               <a:t>IBM’s LAPI and DCMF</a:t>
             </a:r>
           </a:p>
           <a:p>
             <a:r>
-              <a:rPr lang="en-US"/>
+              <a:rPr lang="en-US" dirty="0"/>
               <a:t>Others</a:t>
             </a:r>
           </a:p>
@@ -4430,65 +4443,65 @@
           <a:lstStyle/>
           <a:p>
             <a:r>
-              <a:rPr lang="en-US"/>
+              <a:rPr lang="en-US" dirty="0"/>
               <a:t>Based on earlier VIA spec</a:t>
             </a:r>
           </a:p>
           <a:p>
             <a:r>
-              <a:rPr lang="en-US"/>
+              <a:rPr lang="en-US" dirty="0"/>
               <a:t>Does not specify API, just </a:t>
             </a:r>
             <a:r>
-              <a:rPr lang="en-US" i="1"/>
+              <a:rPr lang="en-US" i="1" dirty="0"/>
               <a:t>Verbs</a:t>
             </a:r>
           </a:p>
           <a:p>
             <a:r>
-              <a:rPr lang="en-US"/>
+              <a:rPr lang="en-US" dirty="0"/>
               <a:t>Multiple vendor APIs initially</a:t>
             </a:r>
           </a:p>
           <a:p>
             <a:r>
-              <a:rPr lang="en-US"/>
+              <a:rPr lang="en-US" dirty="0"/>
               <a:t>Coalesced into Open-Fabrics Association (OFA)</a:t>
             </a:r>
           </a:p>
           <a:p>
             <a:r>
-              <a:rPr lang="en-US"/>
+              <a:rPr lang="en-US" dirty="0"/>
               <a:t>Two-sided and one-sided</a:t>
             </a:r>
           </a:p>
           <a:p>
             <a:r>
-              <a:rPr lang="en-US"/>
+              <a:rPr lang="en-US" dirty="0"/>
               <a:t>Always asynchronous</a:t>
             </a:r>
           </a:p>
           <a:p>
             <a:r>
-              <a:rPr lang="en-US"/>
+              <a:rPr lang="en-US" dirty="0"/>
               <a:t>Reliable and unreliable</a:t>
             </a:r>
           </a:p>
           <a:p>
             <a:r>
-              <a:rPr lang="en-US"/>
+              <a:rPr lang="en-US" dirty="0"/>
               <a:t>Connection and connectionless modes</a:t>
             </a:r>
           </a:p>
           <a:p>
             <a:r>
-              <a:rPr lang="en-US"/>
+              <a:rPr lang="en-US" dirty="0"/>
               <a:t>Communication requires registered memory</a:t>
             </a:r>
           </a:p>
           <a:p>
             <a:r>
-              <a:rPr lang="en-US"/>
+              <a:rPr lang="en-US" dirty="0"/>
               <a:t>Queue-Pair represents logical connection</a:t>
             </a:r>
           </a:p>
@@ -4562,39 +4575,51 @@
           <a:lstStyle/>
           <a:p>
             <a:r>
-              <a:rPr lang="en-US"/>
+              <a:rPr lang="en-US" dirty="0"/>
               <a:t>One-sided (Put/Get)</a:t>
             </a:r>
           </a:p>
           <a:p>
             <a:r>
-              <a:rPr lang="en-US"/>
+              <a:rPr lang="en-US" dirty="0"/>
               <a:t>Uses tags to steer messages to buffers</a:t>
             </a:r>
           </a:p>
           <a:p>
             <a:r>
-              <a:rPr lang="en-US"/>
+              <a:rPr lang="en-US" dirty="0"/>
               <a:t>Connectionless</a:t>
             </a:r>
           </a:p>
           <a:p>
             <a:pPr lvl="1"/>
             <a:r>
-              <a:rPr lang="en-US"/>
+              <a:rPr lang="en-US" dirty="0"/>
               <a:t>Underlying NALs maintain necessary connection state</a:t>
             </a:r>
           </a:p>
           <a:p>
             <a:r>
-              <a:rPr lang="en-US"/>
+              <a:rPr lang="en-US" dirty="0"/>
               <a:t>Most commonly used on large HPC systems</a:t>
             </a:r>
           </a:p>
           <a:p>
             <a:r>
-              <a:rPr lang="en-US"/>
-              <a:t>Lustre distributed filesystem NAL, LNET, was originally based on Portals</a:t>
+              <a:rPr lang="en-US" dirty="0" err="1"/>
+              <a:t>Lustre</a:t>
+            </a:r>
+            <a:r>
+              <a:rPr lang="en-US" dirty="0"/>
+              <a:t> distributed </a:t>
+            </a:r>
+            <a:r>
+              <a:rPr lang="en-US" dirty="0" err="1"/>
+              <a:t>filesystem</a:t>
+            </a:r>
+            <a:r>
+              <a:rPr lang="en-US" dirty="0"/>
+              <a:t> NAL, LNET, was originally based on Portals</a:t>
             </a:r>
           </a:p>
         </p:txBody>
@@ -4645,8 +4670,20 @@
           <a:lstStyle/>
           <a:p>
             <a:r>
-              <a:rPr lang="en-US"/>
-              <a:t>Myricom MX and Qlogic PSM</a:t>
+              <a:rPr lang="en-US" dirty="0" err="1"/>
+              <a:t>Myricom</a:t>
+            </a:r>
+            <a:r>
+              <a:rPr lang="en-US" dirty="0"/>
+              <a:t> MX and </a:t>
+            </a:r>
+            <a:r>
+              <a:rPr lang="en-US" dirty="0" err="1"/>
+              <a:t>Qlogic</a:t>
+            </a:r>
+            <a:r>
+              <a:rPr lang="en-US" dirty="0"/>
+              <a:t> PSM</a:t>
             </a:r>
           </a:p>
         </p:txBody>
@@ -4669,52 +4706,52 @@
           <a:lstStyle/>
           <a:p>
             <a:r>
-              <a:rPr lang="en-US"/>
+              <a:rPr lang="en-US" dirty="0"/>
               <a:t>Similar two-sided, matching API</a:t>
             </a:r>
           </a:p>
           <a:p>
             <a:pPr lvl="1"/>
             <a:r>
-              <a:rPr lang="en-US"/>
+              <a:rPr lang="en-US" dirty="0"/>
               <a:t>Designed to support MPI</a:t>
             </a:r>
           </a:p>
           <a:p>
             <a:r>
-              <a:rPr lang="en-US"/>
+              <a:rPr lang="en-US" dirty="0"/>
               <a:t>Eager for small messages</a:t>
             </a:r>
           </a:p>
           <a:p>
             <a:r>
-              <a:rPr lang="en-US"/>
+              <a:rPr lang="en-US" dirty="0"/>
               <a:t>Zero-copy, rendezvous for large messages</a:t>
             </a:r>
           </a:p>
           <a:p>
             <a:r>
-              <a:rPr lang="en-US"/>
+              <a:rPr lang="en-US" dirty="0"/>
               <a:t>Semi-connectionless</a:t>
             </a:r>
           </a:p>
           <a:p>
             <a:pPr lvl="1"/>
             <a:r>
-              <a:rPr lang="en-US"/>
+              <a:rPr lang="en-US" dirty="0"/>
               <a:t>Target does accept connection requests</a:t>
             </a:r>
           </a:p>
           <a:p>
             <a:pPr lvl="1"/>
             <a:r>
-              <a:rPr lang="en-US"/>
+              <a:rPr lang="en-US" dirty="0"/>
               <a:t>Sender connects before sending</a:t>
             </a:r>
           </a:p>
           <a:p>
             <a:r>
-              <a:rPr lang="en-US"/>
+              <a:rPr lang="en-US" dirty="0"/>
               <a:t>Reliable, in-order matching with out-of-order completion (like MPI)</a:t>
             </a:r>
           </a:p>
@@ -4766,7 +4803,7 @@
           <a:lstStyle/>
           <a:p>
             <a:r>
-              <a:rPr lang="en-US"/>
+              <a:rPr lang="en-US" dirty="0"/>
               <a:t>IBM LAPI and DCMF</a:t>
             </a:r>
           </a:p>
@@ -4788,37 +4825,45 @@
           <a:lstStyle/>
           <a:p>
             <a:r>
-              <a:rPr lang="en-US"/>
-              <a:t>Designed for RS-series and BlueGene P/Q</a:t>
-            </a:r>
-          </a:p>
-          <a:p>
-            <a:r>
-              <a:rPr lang="en-US"/>
+              <a:rPr lang="en-US" dirty="0"/>
+              <a:t>Designed for RS-series and </a:t>
+            </a:r>
+            <a:r>
+              <a:rPr lang="en-US" dirty="0" err="1"/>
+              <a:t>BlueGene</a:t>
+            </a:r>
+            <a:r>
+              <a:rPr lang="en-US" dirty="0"/>
+              <a:t> P/Q</a:t>
+            </a:r>
+          </a:p>
+          <a:p>
+            <a:r>
+              <a:rPr lang="en-US" dirty="0"/>
               <a:t>Some support outside of IBM exists</a:t>
             </a:r>
           </a:p>
           <a:p>
             <a:r>
-              <a:rPr lang="en-US"/>
+              <a:rPr lang="en-US" dirty="0"/>
               <a:t>One-sided and two-sided</a:t>
             </a:r>
           </a:p>
           <a:p>
             <a:r>
-              <a:rPr lang="en-US"/>
+              <a:rPr lang="en-US" dirty="0"/>
               <a:t>Contiguous and non-contiguous memory layout</a:t>
             </a:r>
           </a:p>
           <a:p>
             <a:r>
-              <a:rPr lang="en-US"/>
+              <a:rPr lang="en-US" dirty="0"/>
               <a:t>Transparent link aggregation</a:t>
             </a:r>
           </a:p>
           <a:p>
             <a:r>
-              <a:rPr lang="en-US"/>
+              <a:rPr lang="en-US" dirty="0"/>
               <a:t>DCMF supports ARMCI, GA, MPI, collectives</a:t>
             </a:r>
           </a:p>
@@ -4870,7 +4915,7 @@
           <a:lstStyle/>
           <a:p>
             <a:r>
-              <a:rPr lang="en-US"/>
+              <a:rPr lang="en-US" dirty="0"/>
               <a:t>Design Goals</a:t>
             </a:r>
           </a:p>
@@ -4897,35 +4942,35 @@
           <a:lstStyle/>
           <a:p>
             <a:r>
-              <a:rPr lang="en-US"/>
+              <a:rPr lang="en-US" dirty="0"/>
               <a:t>To support all communication needs</a:t>
             </a:r>
           </a:p>
           <a:p>
             <a:pPr lvl="1"/>
             <a:r>
-              <a:rPr lang="en-US"/>
+              <a:rPr lang="en-US" dirty="0"/>
               <a:t>Service-oriented</a:t>
             </a:r>
           </a:p>
           <a:p>
             <a:pPr lvl="1"/>
             <a:r>
-              <a:rPr lang="en-US"/>
+              <a:rPr lang="en-US" dirty="0"/>
               <a:t>Peer-to-peer</a:t>
             </a:r>
           </a:p>
           <a:p>
             <a:pPr lvl="1"/>
             <a:r>
-              <a:rPr lang="en-US"/>
+              <a:rPr lang="en-US" dirty="0"/>
               <a:t>Client/Server</a:t>
             </a:r>
           </a:p>
           <a:p>
             <a:pPr lvl="1"/>
             <a:r>
-              <a:rPr lang="en-US"/>
+              <a:rPr lang="en-US" dirty="0"/>
               <a:t>HPC</a:t>
             </a:r>
           </a:p>
@@ -4999,42 +5044,42 @@
           <a:lstStyle/>
           <a:p>
             <a:r>
-              <a:rPr lang="en-US"/>
+              <a:rPr lang="en-US" dirty="0"/>
               <a:t>In order to meet this objective, an API must provide the following</a:t>
             </a:r>
           </a:p>
           <a:p>
             <a:pPr lvl="1"/>
             <a:r>
-              <a:rPr lang="en-US"/>
+              <a:rPr lang="en-US" dirty="0"/>
               <a:t>Portability</a:t>
             </a:r>
           </a:p>
           <a:p>
             <a:pPr lvl="1"/>
             <a:r>
-              <a:rPr lang="en-US"/>
+              <a:rPr lang="en-US" dirty="0"/>
               <a:t>Simplicity</a:t>
             </a:r>
           </a:p>
           <a:p>
             <a:pPr lvl="1"/>
             <a:r>
-              <a:rPr lang="en-US"/>
+              <a:rPr lang="en-US" dirty="0"/>
               <a:t>Performance</a:t>
             </a:r>
           </a:p>
           <a:p>
             <a:pPr lvl="1"/>
             <a:r>
-              <a:rPr lang="en-US"/>
+              <a:rPr lang="en-US" dirty="0"/>
               <a:t>Scalability</a:t>
             </a:r>
           </a:p>
           <a:p>
             <a:pPr lvl="1"/>
             <a:r>
-              <a:rPr lang="en-US"/>
+              <a:rPr lang="en-US" dirty="0"/>
               <a:t>Robustness</a:t>
             </a:r>
           </a:p>
@@ -5108,32 +5153,32 @@
           <a:lstStyle/>
           <a:p>
             <a:r>
-              <a:rPr lang="en-US"/>
+              <a:rPr lang="en-US" dirty="0"/>
               <a:t>Developers have limited resources and want to avoid continuously porting</a:t>
             </a:r>
           </a:p>
           <a:p>
             <a:r>
-              <a:rPr lang="en-US"/>
+              <a:rPr lang="en-US" dirty="0"/>
               <a:t>Wish to avoid vendor-specific lock-in</a:t>
             </a:r>
           </a:p>
           <a:p>
             <a:r>
-              <a:rPr lang="en-US"/>
+              <a:rPr lang="en-US" dirty="0"/>
               <a:t>Vendors don’t have resources to port all middleware</a:t>
             </a:r>
           </a:p>
           <a:p>
             <a:r>
-              <a:rPr lang="en-US"/>
+              <a:rPr lang="en-US" dirty="0"/>
               <a:t>Sockets and MPI are highly portable</a:t>
             </a:r>
           </a:p>
           <a:p>
             <a:pPr lvl="1"/>
             <a:r>
-              <a:rPr lang="en-US"/>
+              <a:rPr lang="en-US" dirty="0"/>
               <a:t>Any new API needs to be as well</a:t>
             </a:r>
           </a:p>
@@ -5207,40 +5252,40 @@
           <a:lstStyle/>
           <a:p>
             <a:r>
-              <a:rPr lang="en-US"/>
+              <a:rPr lang="en-US" dirty="0"/>
               <a:t>Must not be so complicated that only experts can use it fully</a:t>
             </a:r>
           </a:p>
           <a:p>
             <a:r>
-              <a:rPr lang="en-US"/>
+              <a:rPr lang="en-US" dirty="0"/>
               <a:t>Finding the right balance of functions</a:t>
             </a:r>
           </a:p>
           <a:p>
             <a:pPr lvl="1"/>
             <a:r>
-              <a:rPr lang="en-US"/>
+              <a:rPr lang="en-US" dirty="0"/>
               <a:t>MPI provides over 300</a:t>
             </a:r>
           </a:p>
           <a:p>
             <a:pPr lvl="1"/>
             <a:r>
-              <a:rPr lang="en-US"/>
+              <a:rPr lang="en-US" dirty="0"/>
               <a:t>Most developers use a small subset</a:t>
             </a:r>
           </a:p>
           <a:p>
             <a:r>
-              <a:rPr lang="en-US"/>
+              <a:rPr lang="en-US" dirty="0"/>
               <a:t>Complexity tends to make code larger</a:t>
             </a:r>
           </a:p>
           <a:p>
             <a:pPr lvl="1"/>
             <a:r>
-              <a:rPr lang="en-US"/>
+              <a:rPr lang="en-US" dirty="0"/>
               <a:t>Larger code is harder to debug and maintain</a:t>
             </a:r>
           </a:p>
@@ -5449,7 +5494,7 @@
                     <a:lstStyle/>
                     <a:p>
                       <a:r>
-                        <a:rPr lang="en-US"/>
+                        <a:rPr lang="en-US" dirty="0"/>
                         <a:t>BTL</a:t>
                       </a:r>
                     </a:p>
@@ -5663,7 +5708,7 @@
                     <a:lstStyle/>
                     <a:p>
                       <a:r>
-                        <a:rPr lang="en-US"/>
+                        <a:rPr lang="en-US" dirty="0"/>
                         <a:t>21,574</a:t>
                       </a:r>
                     </a:p>
@@ -5745,63 +5790,63 @@
           <a:lstStyle/>
           <a:p>
             <a:r>
-              <a:rPr lang="en-US"/>
+              <a:rPr lang="en-US" dirty="0"/>
               <a:t>Modern networks leverage common techniques</a:t>
             </a:r>
           </a:p>
           <a:p>
             <a:pPr lvl="1"/>
             <a:r>
-              <a:rPr lang="en-US"/>
+              <a:rPr lang="en-US" dirty="0"/>
               <a:t>OS-bypass</a:t>
             </a:r>
           </a:p>
           <a:p>
             <a:pPr lvl="2"/>
             <a:r>
-              <a:rPr lang="en-US"/>
+              <a:rPr lang="en-US" dirty="0"/>
               <a:t>Reduces latency, removes interrupts from critical path</a:t>
             </a:r>
           </a:p>
           <a:p>
             <a:pPr lvl="1"/>
             <a:r>
-              <a:rPr lang="en-US"/>
+              <a:rPr lang="en-US" dirty="0"/>
               <a:t>Zero-copy</a:t>
             </a:r>
           </a:p>
           <a:p>
             <a:pPr lvl="2"/>
             <a:r>
-              <a:rPr lang="en-US"/>
+              <a:rPr lang="en-US" dirty="0"/>
               <a:t>Reduces CPU overhead, increases bandwidth, requires pinning, synchronous in nature</a:t>
             </a:r>
           </a:p>
           <a:p>
             <a:pPr lvl="1"/>
             <a:r>
-              <a:rPr lang="en-US"/>
+              <a:rPr lang="en-US" dirty="0"/>
               <a:t>One-Sided</a:t>
             </a:r>
           </a:p>
           <a:p>
             <a:pPr lvl="2"/>
             <a:r>
-              <a:rPr lang="en-US"/>
+              <a:rPr lang="en-US" dirty="0"/>
               <a:t>Often confused with zero-copy, allow communication to complete without target process participation</a:t>
             </a:r>
           </a:p>
           <a:p>
             <a:pPr lvl="1"/>
             <a:r>
-              <a:rPr lang="en-US"/>
+              <a:rPr lang="en-US" dirty="0"/>
               <a:t>Asynchronous operations</a:t>
             </a:r>
           </a:p>
           <a:p>
             <a:pPr lvl="2"/>
             <a:r>
-              <a:rPr lang="en-US"/>
+              <a:rPr lang="en-US" dirty="0"/>
               <a:t>Decouples communication initiation from completion, allows overlap of communication and computation</a:t>
             </a:r>
           </a:p>
@@ -5877,53 +5922,61 @@
           <a:lstStyle/>
           <a:p>
             <a:r>
-              <a:rPr lang="en-US"/>
+              <a:rPr lang="en-US" dirty="0"/>
               <a:t>Leadership-class HPC systems moving to 10^6 nodes and 10^9 cores</a:t>
             </a:r>
           </a:p>
           <a:p>
             <a:r>
-              <a:rPr lang="en-US"/>
+              <a:rPr lang="en-US" dirty="0"/>
               <a:t>Large cloud computing centers are fast approaching as well</a:t>
             </a:r>
           </a:p>
           <a:p>
             <a:r>
-              <a:rPr lang="en-US"/>
+              <a:rPr lang="en-US" dirty="0"/>
               <a:t>Time and space overhead cannot grow linearly with number of partners</a:t>
             </a:r>
           </a:p>
           <a:p>
             <a:pPr lvl="1"/>
             <a:r>
-              <a:rPr lang="en-US"/>
+              <a:rPr lang="en-US" dirty="0"/>
               <a:t>Sockets (TCP_STREAM) requires new buffers and file handle per peer</a:t>
             </a:r>
           </a:p>
           <a:p>
             <a:pPr lvl="1"/>
             <a:r>
-              <a:rPr lang="en-US"/>
+              <a:rPr lang="en-US" dirty="0"/>
               <a:t>MPI scales better but will be stretched on newer systems</a:t>
             </a:r>
           </a:p>
           <a:p>
             <a:pPr lvl="1"/>
             <a:r>
-              <a:rPr lang="en-US"/>
+              <a:rPr lang="en-US" dirty="0"/>
               <a:t>Verbs initially scaled poorly due to the QP model</a:t>
             </a:r>
           </a:p>
           <a:p>
             <a:pPr lvl="2"/>
             <a:r>
-              <a:rPr lang="en-US"/>
-              <a:t>Improvements include connect-on-demand, dynamic buffer management, and sahred receive queues</a:t>
-            </a:r>
-          </a:p>
-          <a:p>
-            <a:r>
-              <a:rPr lang="en-US"/>
+              <a:rPr lang="en-US" dirty="0"/>
+              <a:t>Improvements include connect-on-demand, dynamic buffer management, and </a:t>
+            </a:r>
+            <a:r>
+              <a:rPr lang="en-US" dirty="0" err="1"/>
+              <a:t>sahred</a:t>
+            </a:r>
+            <a:r>
+              <a:rPr lang="en-US" dirty="0"/>
+              <a:t> receive queues</a:t>
+            </a:r>
+          </a:p>
+          <a:p>
+            <a:r>
+              <a:rPr lang="en-US" dirty="0"/>
               <a:t>Ideally, buffer management and polling overhead would be constant regardless of number of peers</a:t>
             </a:r>
           </a:p>
@@ -6241,25 +6294,25 @@
           <a:lstStyle/>
           <a:p>
             <a:r>
-              <a:rPr lang="en-US"/>
+              <a:rPr lang="en-US" dirty="0"/>
               <a:t>Endpoints</a:t>
             </a:r>
           </a:p>
           <a:p>
             <a:r>
-              <a:rPr lang="en-US"/>
+              <a:rPr lang="en-US" dirty="0"/>
               <a:t>Connections</a:t>
             </a:r>
           </a:p>
           <a:p>
             <a:r>
-              <a:rPr lang="en-US"/>
+              <a:rPr lang="en-US" dirty="0"/>
               <a:t>Active Messages</a:t>
             </a:r>
           </a:p>
           <a:p>
             <a:r>
-              <a:rPr lang="en-US"/>
+              <a:rPr lang="en-US" dirty="0"/>
               <a:t>Remote Memory Access</a:t>
             </a:r>
           </a:p>
@@ -6333,34 +6386,34 @@
           <a:lstStyle/>
           <a:p>
             <a:r>
-              <a:rPr lang="en-US"/>
+              <a:rPr lang="en-US" dirty="0"/>
               <a:t>Virtualized instance of a device</a:t>
             </a:r>
           </a:p>
           <a:p>
             <a:pPr lvl="1"/>
             <a:r>
-              <a:rPr lang="en-US"/>
+              <a:rPr lang="en-US" dirty="0"/>
               <a:t>Logical source and destination of all communication</a:t>
             </a:r>
           </a:p>
           <a:p>
             <a:r>
-              <a:rPr lang="en-US"/>
+              <a:rPr lang="en-US" dirty="0"/>
               <a:t>Complete container of resources</a:t>
             </a:r>
           </a:p>
           <a:p>
             <a:pPr lvl="1"/>
             <a:r>
-              <a:rPr lang="en-US"/>
+              <a:rPr lang="en-US" dirty="0"/>
               <a:t>Send and receive queues and associated buffers</a:t>
             </a:r>
           </a:p>
           <a:p>
             <a:pPr lvl="1"/>
             <a:r>
-              <a:rPr lang="en-US"/>
+              <a:rPr lang="en-US" dirty="0"/>
               <a:t>Notification via events</a:t>
             </a:r>
           </a:p>
@@ -6434,28 +6487,56 @@
           <a:lstStyle/>
           <a:p>
             <a:r>
-              <a:rPr lang="en-US"/>
+              <a:rPr lang="en-US" dirty="0"/>
               <a:t>Process may poll or block for event notification</a:t>
             </a:r>
           </a:p>
           <a:p>
             <a:pPr lvl="1"/>
             <a:r>
-              <a:rPr lang="en-US"/>
-              <a:t>cci_get_event() to poll endpoint or</a:t>
+              <a:rPr lang="en-US" dirty="0" err="1"/>
+              <a:t>cci_get_event</a:t>
+            </a:r>
+            <a:r>
+              <a:rPr lang="en-US" dirty="0"/>
+              <a:t>() to poll endpoint or</a:t>
             </a:r>
           </a:p>
           <a:p>
             <a:pPr lvl="1"/>
             <a:r>
-              <a:rPr lang="en-US"/>
-              <a:t>Use OS-specific handle with select(), poll(), epoll(), kqueue(), etc.</a:t>
-            </a:r>
-          </a:p>
-          <a:p>
-            <a:r>
-              <a:rPr lang="en-US"/>
-              <a:t>Events include send, recv, connection establishment, etc.</a:t>
+              <a:rPr lang="en-US" dirty="0"/>
+              <a:t>Use OS-specific handle with select(), poll(), </a:t>
+            </a:r>
+            <a:r>
+              <a:rPr lang="en-US" dirty="0" err="1"/>
+              <a:t>epoll</a:t>
+            </a:r>
+            <a:r>
+              <a:rPr lang="en-US" dirty="0"/>
+              <a:t>(), </a:t>
+            </a:r>
+            <a:r>
+              <a:rPr lang="en-US" dirty="0" err="1"/>
+              <a:t>kqueue</a:t>
+            </a:r>
+            <a:r>
+              <a:rPr lang="en-US" dirty="0"/>
+              <a:t>(), etc.</a:t>
+            </a:r>
+          </a:p>
+          <a:p>
+            <a:r>
+              <a:rPr lang="en-US" dirty="0"/>
+              <a:t>Events include send, </a:t>
+            </a:r>
+            <a:r>
+              <a:rPr lang="en-US" dirty="0" err="1"/>
+              <a:t>recv</a:t>
+            </a:r>
+            <a:r>
+              <a:rPr lang="en-US" dirty="0"/>
+              <a:t>, connection establishment, etc.</a:t>
             </a:r>
           </a:p>
         </p:txBody>
@@ -6533,33 +6614,41 @@
           <a:lstStyle/>
           <a:p>
             <a:r>
-              <a:rPr lang="en-US"/>
+              <a:rPr lang="en-US" dirty="0"/>
               <a:t>Events may contain resources such as receive buffers</a:t>
             </a:r>
           </a:p>
           <a:p>
             <a:r>
-              <a:rPr lang="en-US"/>
+              <a:rPr lang="en-US" dirty="0"/>
               <a:t>Resource ownership transfer to the process when the event is retrieved</a:t>
             </a:r>
           </a:p>
           <a:p>
             <a:r>
-              <a:rPr lang="en-US"/>
-              <a:t>The process returns the resource to CCI via return_event()</a:t>
+              <a:rPr lang="en-US" dirty="0"/>
+              <a:t>The process returns the resource to CCI via </a:t>
+            </a:r>
+            <a:r>
+              <a:rPr lang="en-US" dirty="0" err="1"/>
+              <a:t>return_event</a:t>
+            </a:r>
+            <a:r>
+              <a:rPr lang="en-US" dirty="0"/>
+              <a:t>()</a:t>
             </a:r>
           </a:p>
           <a:p>
             <a:pPr lvl="1"/>
             <a:r>
-              <a:rPr lang="en-US"/>
+              <a:rPr lang="en-US" dirty="0"/>
               <a:t>Expected to be returned in a timely manner</a:t>
             </a:r>
           </a:p>
           <a:p>
             <a:pPr lvl="1"/>
             <a:r>
-              <a:rPr lang="en-US"/>
+              <a:rPr lang="en-US" dirty="0"/>
               <a:t>May be returned out of order</a:t>
             </a:r>
           </a:p>
@@ -7257,60 +7346,60 @@
           <a:lstStyle/>
           <a:p>
             <a:r>
-              <a:rPr lang="en-US"/>
+              <a:rPr lang="en-US" dirty="0"/>
               <a:t>Per peer - a single endpoint can handle many connections</a:t>
             </a:r>
           </a:p>
           <a:p>
             <a:r>
-              <a:rPr lang="en-US"/>
+              <a:rPr lang="en-US" dirty="0"/>
               <a:t>May have multiple connections to the same peer</a:t>
             </a:r>
           </a:p>
           <a:p>
             <a:r>
-              <a:rPr lang="en-US"/>
+              <a:rPr lang="en-US" dirty="0"/>
               <a:t>Use client/server model similar to Sockets and RDMA-CM</a:t>
             </a:r>
           </a:p>
           <a:p>
             <a:r>
-              <a:rPr lang="en-US"/>
+              <a:rPr lang="en-US" dirty="0"/>
               <a:t>Represents reliability and order attributes</a:t>
             </a:r>
           </a:p>
           <a:p>
             <a:pPr lvl="1"/>
             <a:r>
-              <a:rPr lang="en-US"/>
+              <a:rPr lang="en-US" dirty="0"/>
               <a:t>Reliable with Ordered completion (RO)</a:t>
             </a:r>
           </a:p>
           <a:p>
             <a:pPr lvl="1"/>
             <a:r>
-              <a:rPr lang="en-US"/>
+              <a:rPr lang="en-US" dirty="0"/>
               <a:t>Reliable with Unordered completion (RU)</a:t>
             </a:r>
           </a:p>
           <a:p>
             <a:pPr lvl="1"/>
             <a:r>
-              <a:rPr lang="en-US"/>
+              <a:rPr lang="en-US" dirty="0"/>
               <a:t>Unreliable with Unordered completion (UU)</a:t>
             </a:r>
           </a:p>
           <a:p>
             <a:pPr lvl="1"/>
             <a:r>
-              <a:rPr lang="en-US"/>
+              <a:rPr lang="en-US" dirty="0"/>
               <a:t>Multicast Send (MC_TX)</a:t>
             </a:r>
           </a:p>
           <a:p>
             <a:pPr lvl="1"/>
             <a:r>
-              <a:rPr lang="en-US"/>
+              <a:rPr lang="en-US" dirty="0"/>
               <a:t>Multicast Receive (MC_RX)</a:t>
             </a:r>
           </a:p>
@@ -7601,45 +7690,45 @@
           <a:lstStyle/>
           <a:p>
             <a:r>
-              <a:rPr lang="en-US"/>
+              <a:rPr lang="en-US" dirty="0"/>
               <a:t>Active messages are not enough</a:t>
             </a:r>
           </a:p>
           <a:p>
             <a:pPr lvl="1"/>
             <a:r>
-              <a:rPr lang="en-US"/>
+              <a:rPr lang="en-US" dirty="0"/>
               <a:t>But they are enough to allow setup of RMA</a:t>
             </a:r>
           </a:p>
           <a:p>
             <a:r>
-              <a:rPr lang="en-US"/>
+              <a:rPr lang="en-US" dirty="0"/>
               <a:t>Zero-copy when supported</a:t>
             </a:r>
           </a:p>
           <a:p>
             <a:r>
-              <a:rPr lang="en-US"/>
+              <a:rPr lang="en-US" dirty="0"/>
               <a:t>Require memory registration</a:t>
             </a:r>
           </a:p>
           <a:p>
             <a:r>
-              <a:rPr lang="en-US"/>
+              <a:rPr lang="en-US" dirty="0"/>
               <a:t>No intra-message order guarantee</a:t>
             </a:r>
           </a:p>
           <a:p>
             <a:pPr lvl="1"/>
             <a:r>
-              <a:rPr lang="en-US"/>
+              <a:rPr lang="en-US" dirty="0"/>
               <a:t>No last byte written last</a:t>
             </a:r>
           </a:p>
           <a:p>
             <a:r>
-              <a:rPr lang="en-US"/>
+              <a:rPr lang="en-US" dirty="0"/>
               <a:t>Write or Read with an optional Fence</a:t>
             </a:r>
           </a:p>
@@ -7713,55 +7802,55 @@
           <a:lstStyle/>
           <a:p>
             <a:r>
-              <a:rPr lang="en-US"/>
+              <a:rPr lang="en-US" dirty="0"/>
               <a:t>Three proof-of-concept implementations</a:t>
             </a:r>
           </a:p>
           <a:p>
             <a:pPr lvl="1"/>
             <a:r>
-              <a:rPr lang="en-US"/>
+              <a:rPr lang="en-US" dirty="0"/>
               <a:t>Sockets</a:t>
             </a:r>
           </a:p>
           <a:p>
             <a:pPr lvl="1"/>
             <a:r>
-              <a:rPr lang="en-US"/>
+              <a:rPr lang="en-US" dirty="0"/>
               <a:t>Portals 3.3</a:t>
             </a:r>
           </a:p>
           <a:p>
             <a:pPr lvl="1"/>
             <a:r>
-              <a:rPr lang="en-US"/>
+              <a:rPr lang="en-US" dirty="0"/>
               <a:t>MX</a:t>
             </a:r>
           </a:p>
           <a:p>
             <a:r>
-              <a:rPr lang="en-US"/>
+              <a:rPr lang="en-US" dirty="0"/>
               <a:t>Sockets</a:t>
             </a:r>
           </a:p>
           <a:p>
             <a:pPr lvl="1"/>
             <a:r>
-              <a:rPr lang="en-US"/>
+              <a:rPr lang="en-US" dirty="0"/>
               <a:t>Uses UDP with one socket per endpoint</a:t>
             </a:r>
           </a:p>
           <a:p>
             <a:pPr lvl="1"/>
             <a:r>
-              <a:rPr lang="en-US"/>
+              <a:rPr lang="en-US" dirty="0"/>
               <a:t>Implements reliability when required</a:t>
             </a:r>
           </a:p>
           <a:p>
             <a:pPr lvl="1"/>
             <a:r>
-              <a:rPr lang="en-US"/>
+              <a:rPr lang="en-US" dirty="0"/>
               <a:t>Implements AM, RMA Write</a:t>
             </a:r>
           </a:p>
@@ -7837,56 +7926,72 @@
           <a:lstStyle/>
           <a:p>
             <a:r>
-              <a:rPr lang="en-US"/>
+              <a:rPr lang="en-US" dirty="0"/>
               <a:t>Portals 3.3</a:t>
             </a:r>
           </a:p>
           <a:p>
             <a:pPr lvl="1"/>
             <a:r>
-              <a:rPr lang="en-US"/>
+              <a:rPr lang="en-US" dirty="0"/>
               <a:t>Implements multiple endpoints using match bits</a:t>
             </a:r>
           </a:p>
           <a:p>
             <a:pPr lvl="1"/>
             <a:r>
-              <a:rPr lang="en-US"/>
+              <a:rPr lang="en-US" dirty="0"/>
               <a:t>Portals assumes reliability</a:t>
             </a:r>
           </a:p>
           <a:p>
             <a:pPr lvl="2"/>
             <a:r>
-              <a:rPr lang="en-US"/>
-              <a:t>CCI requests acks for reliable connections</a:t>
+              <a:rPr lang="en-US" dirty="0"/>
+              <a:t>CCI requests </a:t>
+            </a:r>
+            <a:r>
+              <a:rPr lang="en-US" dirty="0" err="1"/>
+              <a:t>acks</a:t>
+            </a:r>
+            <a:r>
+              <a:rPr lang="en-US" dirty="0"/>
+              <a:t> for reliable connections</a:t>
             </a:r>
           </a:p>
           <a:p>
             <a:pPr lvl="1"/>
             <a:r>
-              <a:rPr lang="en-US"/>
+              <a:rPr lang="en-US" dirty="0"/>
               <a:t>Implements AM, RMA Write, Read, and Fence</a:t>
             </a:r>
           </a:p>
           <a:p>
             <a:r>
-              <a:rPr lang="en-US"/>
+              <a:rPr lang="en-US" dirty="0"/>
               <a:t>MX</a:t>
             </a:r>
           </a:p>
           <a:p>
             <a:pPr lvl="1"/>
             <a:r>
-              <a:rPr lang="en-US"/>
+              <a:rPr lang="en-US" dirty="0"/>
               <a:t>Implements AM only</a:t>
             </a:r>
           </a:p>
           <a:p>
             <a:pPr lvl="1"/>
             <a:r>
-              <a:rPr lang="en-US"/>
-              <a:t>CCI requests rendevous when reliability is requested</a:t>
+              <a:rPr lang="en-US" dirty="0"/>
+              <a:t>CCI requests </a:t>
+            </a:r>
+            <a:r>
+              <a:rPr lang="en-US" dirty="0" err="1"/>
+              <a:t>rendevous</a:t>
+            </a:r>
+            <a:r>
+              <a:rPr lang="en-US" dirty="0"/>
+              <a:t> when reliability is requested</a:t>
             </a:r>
           </a:p>
         </p:txBody>
@@ -8199,46 +8304,46 @@
           <a:lstStyle/>
           <a:p>
             <a:r>
-              <a:rPr lang="en-US"/>
+              <a:rPr lang="en-US" dirty="0"/>
               <a:t>Most widely used</a:t>
             </a:r>
           </a:p>
           <a:p>
             <a:pPr lvl="1"/>
             <a:r>
-              <a:rPr lang="en-US"/>
+              <a:rPr lang="en-US" dirty="0"/>
               <a:t>Simple API</a:t>
             </a:r>
           </a:p>
           <a:p>
             <a:pPr lvl="1"/>
             <a:r>
-              <a:rPr lang="en-US"/>
+              <a:rPr lang="en-US" dirty="0"/>
               <a:t>Robustness (failure tolerant)</a:t>
             </a:r>
           </a:p>
           <a:p>
             <a:pPr lvl="1"/>
             <a:r>
-              <a:rPr lang="en-US"/>
+              <a:rPr lang="en-US" dirty="0"/>
               <a:t>Implicit buffering</a:t>
             </a:r>
           </a:p>
           <a:p>
             <a:r>
-              <a:rPr lang="en-US"/>
+              <a:rPr lang="en-US" dirty="0"/>
               <a:t>Stream and datagram modes</a:t>
             </a:r>
           </a:p>
           <a:p>
             <a:r>
-              <a:rPr lang="en-US"/>
+              <a:rPr lang="en-US" dirty="0"/>
               <a:t>Connection and connectionless modes</a:t>
             </a:r>
           </a:p>
           <a:p>
             <a:r>
-              <a:rPr lang="en-US"/>
+              <a:rPr lang="en-US" dirty="0"/>
               <a:t>Client/server semantics for connection mode</a:t>
             </a:r>
           </a:p>
@@ -8582,19 +8687,19 @@
           <a:lstStyle/>
           <a:p>
             <a:r>
-              <a:rPr lang="en-US"/>
+              <a:rPr lang="en-US" dirty="0"/>
               <a:t>Portals provides matching</a:t>
             </a:r>
           </a:p>
           <a:p>
             <a:r>
-              <a:rPr lang="en-US"/>
+              <a:rPr lang="en-US" dirty="0"/>
               <a:t>Portals provides thread-safety</a:t>
             </a:r>
           </a:p>
           <a:p>
             <a:r>
-              <a:rPr lang="en-US"/>
+              <a:rPr lang="en-US" dirty="0"/>
               <a:t>CCI/SS requires progress thread</a:t>
             </a:r>
           </a:p>
@@ -8677,40 +8782,48 @@
           <a:lstStyle/>
           <a:p>
             <a:r>
-              <a:rPr lang="en-US"/>
+              <a:rPr lang="en-US" dirty="0"/>
               <a:t>No collective operations</a:t>
             </a:r>
           </a:p>
           <a:p>
             <a:r>
-              <a:rPr lang="en-US"/>
+              <a:rPr lang="en-US" dirty="0"/>
               <a:t>Both sends and receives are buffered</a:t>
             </a:r>
           </a:p>
           <a:p>
             <a:pPr lvl="1"/>
             <a:r>
-              <a:rPr lang="en-US"/>
+              <a:rPr lang="en-US" dirty="0"/>
               <a:t>Calls return immediately if buffer space is available</a:t>
             </a:r>
           </a:p>
           <a:p>
             <a:pPr lvl="1"/>
             <a:r>
-              <a:rPr lang="en-US"/>
+              <a:rPr lang="en-US" dirty="0"/>
               <a:t>Buffering requires more CPU work which can result in lower throughput</a:t>
             </a:r>
           </a:p>
           <a:p>
             <a:r>
-              <a:rPr lang="en-US"/>
-              <a:t>Sockets &amp; SOCK_STREAM inhereit well-known TCP performance constraints related to scaling window and BW-delay product</a:t>
+              <a:rPr lang="en-US" dirty="0"/>
+              <a:t>Sockets &amp; SOCK_STREAM </a:t>
+            </a:r>
+            <a:r>
+              <a:rPr lang="en-US" dirty="0" err="1"/>
+              <a:t>inhereit</a:t>
+            </a:r>
+            <a:r>
+              <a:rPr lang="en-US" dirty="0"/>
+              <a:t> well-known TCP performance constraints related to scaling window and BW-delay product</a:t>
             </a:r>
           </a:p>
           <a:p>
             <a:pPr lvl="1"/>
             <a:r>
-              <a:rPr lang="en-US"/>
+              <a:rPr lang="en-US" dirty="0"/>
               <a:t>Reliable, Ordered delivery and assumes mostly ordered on the wire</a:t>
             </a:r>
           </a:p>
@@ -8786,37 +8899,37 @@
           <a:lstStyle/>
           <a:p>
             <a:r>
-              <a:rPr lang="en-US"/>
+              <a:rPr lang="en-US" dirty="0"/>
               <a:t>Dominant interface in HPC</a:t>
             </a:r>
           </a:p>
           <a:p>
             <a:r>
-              <a:rPr lang="en-US"/>
+              <a:rPr lang="en-US" dirty="0"/>
               <a:t>Provides maximum scalability</a:t>
             </a:r>
           </a:p>
           <a:p>
             <a:r>
-              <a:rPr lang="en-US"/>
+              <a:rPr lang="en-US" dirty="0"/>
               <a:t>Richer (i.e. more complicated) API</a:t>
             </a:r>
           </a:p>
           <a:p>
             <a:r>
-              <a:rPr lang="en-US"/>
+              <a:rPr lang="en-US" dirty="0"/>
               <a:t>Point-to-point, collective, and one-sided</a:t>
             </a:r>
           </a:p>
           <a:p>
             <a:r>
-              <a:rPr lang="en-US"/>
+              <a:rPr lang="en-US" dirty="0"/>
               <a:t>Blocking and non-blocking</a:t>
             </a:r>
           </a:p>
           <a:p>
             <a:r>
-              <a:rPr lang="en-US"/>
+              <a:rPr lang="en-US" dirty="0"/>
               <a:t>Synchronous, asynchronous, and ready modes</a:t>
             </a:r>
           </a:p>
@@ -8884,7 +8997,12 @@
             <p:ph idx="1"/>
           </p:nvPr>
         </p:nvSpPr>
-        <p:spPr/>
+        <p:spPr>
+          <a:xfrm>
+            <a:off x="457200" y="1600200"/>
+            <a:ext cx="8229600" cy="4525963"/>
+          </a:xfrm>
+        </p:spPr>
         <p:txBody>
           <a:bodyPr>
             <a:normAutofit fontScale="92500"/>
@@ -8892,63 +9010,85 @@
           <a:lstStyle/>
           <a:p>
             <a:r>
-              <a:rPr lang="en-US"/>
+              <a:rPr lang="en-US" dirty="0"/>
               <a:t>No notion of connections</a:t>
             </a:r>
           </a:p>
           <a:p>
             <a:r>
-              <a:rPr lang="en-US"/>
+              <a:rPr lang="en-US" dirty="0"/>
               <a:t>Uses communication group (communicators)</a:t>
             </a:r>
           </a:p>
           <a:p>
             <a:pPr lvl="1"/>
             <a:r>
-              <a:rPr lang="en-US"/>
+              <a:rPr lang="en-US" dirty="0"/>
               <a:t>May include all process (MPI_COMM_WORLD)</a:t>
             </a:r>
           </a:p>
           <a:p>
             <a:pPr lvl="1"/>
             <a:r>
-              <a:rPr lang="en-US"/>
+              <a:rPr lang="en-US" dirty="0"/>
               <a:t>Or subsets of processes</a:t>
             </a:r>
           </a:p>
           <a:p>
             <a:pPr lvl="1"/>
             <a:r>
-              <a:rPr lang="en-US"/>
+              <a:rPr lang="en-US" dirty="0"/>
               <a:t>Assumes static lists of processes are known a priori</a:t>
             </a:r>
           </a:p>
           <a:p>
             <a:r>
-              <a:rPr lang="en-US"/>
-              <a:t>Does provide a notion of dynamic process mgt</a:t>
-            </a:r>
+              <a:rPr lang="en-US" dirty="0"/>
+              <a:t>Does provide a notion of dynamic process </a:t>
+            </a:r>
+            <a:r>
+              <a:rPr lang="en-US" dirty="0" err="1"/>
+              <a:t>mgt</a:t>
+            </a:r>
+            <a:endParaRPr lang="en-US" dirty="0"/>
           </a:p>
           <a:p>
             <a:pPr lvl="1"/>
             <a:r>
-              <a:rPr lang="en-US"/>
-              <a:t>MPI_Comm_accept(), MPI_Comm_connect()</a:t>
+              <a:rPr lang="en-US" dirty="0" err="1"/>
+              <a:t>MPI_Comm_accept</a:t>
+            </a:r>
+            <a:r>
+              <a:rPr lang="en-US" dirty="0"/>
+              <a:t>(), </a:t>
+            </a:r>
+            <a:r>
+              <a:rPr lang="en-US" dirty="0" err="1"/>
+              <a:t>MPI_Comm_connect</a:t>
+            </a:r>
+            <a:r>
+              <a:rPr lang="en-US" dirty="0"/>
+              <a:t>()</a:t>
             </a:r>
           </a:p>
           <a:p>
             <a:pPr lvl="1"/>
             <a:r>
-              <a:rPr lang="en-US"/>
+              <a:rPr lang="en-US" dirty="0"/>
               <a:t>But is less mature and much less used</a:t>
             </a:r>
           </a:p>
           <a:p>
             <a:pPr lvl="1"/>
             <a:r>
-              <a:rPr lang="en-US"/>
-              <a:t>Imposes high overhead, not performant</a:t>
-            </a:r>
+              <a:rPr lang="en-US" dirty="0"/>
+              <a:t>Imposes high overhead, not </a:t>
+            </a:r>
+            <a:r>
+              <a:rPr lang="en-US" dirty="0" err="1"/>
+              <a:t>performant</a:t>
+            </a:r>
+            <a:endParaRPr lang="en-US" dirty="0"/>
           </a:p>
         </p:txBody>
       </p:sp>
@@ -9022,41 +9162,41 @@
           <a:lstStyle/>
           <a:p>
             <a:r>
-              <a:rPr lang="en-US"/>
+              <a:rPr lang="en-US" dirty="0"/>
               <a:t>Point-to-point implementations use two modes depending on message size</a:t>
             </a:r>
           </a:p>
           <a:p>
             <a:pPr lvl="1"/>
             <a:r>
-              <a:rPr lang="en-US"/>
+              <a:rPr lang="en-US" dirty="0"/>
               <a:t>Eager (buffer before sending)</a:t>
             </a:r>
           </a:p>
           <a:p>
             <a:pPr lvl="1"/>
             <a:r>
-              <a:rPr lang="en-US"/>
+              <a:rPr lang="en-US" dirty="0"/>
               <a:t>Rendezvous (receive buffer posted before sending)</a:t>
             </a:r>
           </a:p>
           <a:p>
             <a:r>
-              <a:rPr lang="en-US"/>
+              <a:rPr lang="en-US" dirty="0"/>
               <a:t>Each MPI switches modes at different sizes depending on the network being used</a:t>
             </a:r>
           </a:p>
           <a:p>
             <a:pPr lvl="1"/>
             <a:r>
-              <a:rPr lang="en-US"/>
+              <a:rPr lang="en-US" dirty="0"/>
               <a:t>May be tunable, but users don’t want to tune</a:t>
             </a:r>
           </a:p>
           <a:p>
             <a:pPr lvl="1"/>
             <a:r>
-              <a:rPr lang="en-US"/>
+              <a:rPr lang="en-US" dirty="0"/>
               <a:t>May lead to buffer overruns or OOM on the receiver</a:t>
             </a:r>
           </a:p>
@@ -9130,44 +9270,44 @@
           <a:lstStyle/>
           <a:p>
             <a:r>
-              <a:rPr lang="en-US"/>
+              <a:rPr lang="en-US" dirty="0"/>
               <a:t>Does not specify underlying network protocol</a:t>
             </a:r>
           </a:p>
           <a:p>
             <a:r>
-              <a:rPr lang="en-US"/>
+              <a:rPr lang="en-US" dirty="0"/>
               <a:t>Each MPI implements a NAL</a:t>
             </a:r>
           </a:p>
           <a:p>
             <a:pPr lvl="1"/>
             <a:r>
-              <a:rPr lang="en-US"/>
+              <a:rPr lang="en-US" dirty="0"/>
               <a:t>Typically support Sockets and one or more vendor specific APIs</a:t>
             </a:r>
           </a:p>
           <a:p>
             <a:r>
-              <a:rPr lang="en-US"/>
+              <a:rPr lang="en-US" dirty="0"/>
               <a:t>Less mature than Sockets</a:t>
             </a:r>
           </a:p>
           <a:p>
             <a:r>
-              <a:rPr lang="en-US"/>
+              <a:rPr lang="en-US" dirty="0"/>
               <a:t>Well-defined standard</a:t>
             </a:r>
           </a:p>
           <a:p>
             <a:pPr lvl="1"/>
             <a:r>
-              <a:rPr lang="en-US"/>
+              <a:rPr lang="en-US" dirty="0"/>
               <a:t>but implementations vary</a:t>
             </a:r>
           </a:p>
           <a:p>
-            <a:endParaRPr lang="en-US"/>
+            <a:endParaRPr lang="en-US" dirty="0"/>
           </a:p>
         </p:txBody>
       </p:sp>
